--- a/Mid-Proj/10.15-MidProject.pptx
+++ b/Mid-Proj/10.15-MidProject.pptx
@@ -12,6 +12,10 @@
     <p:sldId id="261" r:id="rId6"/>
     <p:sldId id="259" r:id="rId7"/>
     <p:sldId id="262" r:id="rId8"/>
+    <p:sldId id="263" r:id="rId9"/>
+    <p:sldId id="264" r:id="rId10"/>
+    <p:sldId id="265" r:id="rId11"/>
+    <p:sldId id="266" r:id="rId12"/>
   </p:sldIdLst>
   <p:sldSz cx="12192000" cy="6858000"/>
   <p:notesSz cx="6858000" cy="9144000"/>
@@ -110,6 +114,11 @@
       </a:defRPr>
     </a:lvl9pPr>
   </p:defaultTextStyle>
+  <p:extLst>
+    <p:ext uri="{EFAFB233-063F-42B5-8137-9DF3F51BA10A}">
+      <p15:sldGuideLst xmlns:p15="http://schemas.microsoft.com/office/powerpoint/2012/main"/>
+    </p:ext>
+  </p:extLst>
 </p:presentation>
 </file>
 
@@ -3926,6 +3935,297 @@
 </p:sld>
 </file>
 
+<file path=ppt/slides/slide10.xml><?xml version="1.0" encoding="utf-8"?>
+<p:sld xmlns:a="http://schemas.openxmlformats.org/drawingml/2006/main" xmlns:r="http://schemas.openxmlformats.org/officeDocument/2006/relationships" xmlns:p="http://schemas.openxmlformats.org/presentationml/2006/main">
+  <p:cSld>
+    <p:spTree>
+      <p:nvGrpSpPr>
+        <p:cNvPr id="1" name=""/>
+        <p:cNvGrpSpPr/>
+        <p:nvPr/>
+      </p:nvGrpSpPr>
+      <p:grpSpPr>
+        <a:xfrm>
+          <a:off x="0" y="0"/>
+          <a:ext cx="0" cy="0"/>
+          <a:chOff x="0" y="0"/>
+          <a:chExt cx="0" cy="0"/>
+        </a:xfrm>
+      </p:grpSpPr>
+      <p:pic>
+        <p:nvPicPr>
+          <p:cNvPr id="5" name="图片 4">
+            <a:extLst>
+              <a:ext uri="{FF2B5EF4-FFF2-40B4-BE49-F238E27FC236}">
+                <a16:creationId xmlns:a16="http://schemas.microsoft.com/office/drawing/2014/main" id="{CF01BC31-CBE7-4E29-9491-F7E574262E65}"/>
+              </a:ext>
+            </a:extLst>
+          </p:cNvPr>
+          <p:cNvPicPr>
+            <a:picLocks noChangeAspect="1"/>
+          </p:cNvPicPr>
+          <p:nvPr/>
+        </p:nvPicPr>
+        <p:blipFill>
+          <a:blip r:embed="rId2"/>
+          <a:stretch>
+            <a:fillRect/>
+          </a:stretch>
+        </p:blipFill>
+        <p:spPr>
+          <a:xfrm>
+            <a:off x="1097280" y="1737360"/>
+            <a:ext cx="2362357" cy="4588660"/>
+          </a:xfrm>
+          <a:prstGeom prst="rect">
+            <a:avLst/>
+          </a:prstGeom>
+        </p:spPr>
+      </p:pic>
+      <p:sp>
+        <p:nvSpPr>
+          <p:cNvPr id="6" name="标题 1">
+            <a:extLst>
+              <a:ext uri="{FF2B5EF4-FFF2-40B4-BE49-F238E27FC236}">
+                <a16:creationId xmlns:a16="http://schemas.microsoft.com/office/drawing/2014/main" id="{B19435DD-0077-44F8-B9F1-BCC567016D5B}"/>
+              </a:ext>
+            </a:extLst>
+          </p:cNvPr>
+          <p:cNvSpPr>
+            <a:spLocks noGrp="1"/>
+          </p:cNvSpPr>
+          <p:nvPr>
+            <p:ph type="title"/>
+          </p:nvPr>
+        </p:nvSpPr>
+        <p:spPr>
+          <a:xfrm>
+            <a:off x="1097280" y="286603"/>
+            <a:ext cx="10058400" cy="1450757"/>
+          </a:xfrm>
+        </p:spPr>
+        <p:txBody>
+          <a:bodyPr>
+            <a:normAutofit/>
+          </a:bodyPr>
+          <a:lstStyle/>
+          <a:p>
+            <a:r>
+              <a:rPr lang="en-US" altLang="zh-CN" sz="5400" dirty="0">
+                <a:latin typeface="Arial Rounded MT Bold" panose="020F0704030504030204" pitchFamily="34" charset="0"/>
+              </a:rPr>
+              <a:t>Alchemy(</a:t>
+            </a:r>
+            <a:r>
+              <a:rPr lang="zh-CN" altLang="en-US" sz="5400" dirty="0">
+                <a:latin typeface="Arial Rounded MT Bold" panose="020F0704030504030204" pitchFamily="34" charset="0"/>
+              </a:rPr>
+              <a:t>炼丹</a:t>
+            </a:r>
+            <a:r>
+              <a:rPr lang="en-US" altLang="zh-CN" sz="5400" dirty="0">
+                <a:latin typeface="Arial Rounded MT Bold" panose="020F0704030504030204" pitchFamily="34" charset="0"/>
+              </a:rPr>
+              <a:t>)</a:t>
+            </a:r>
+            <a:endParaRPr lang="zh-CN" altLang="en-US" sz="5400" dirty="0">
+              <a:latin typeface="Arial Rounded MT Bold" panose="020F0704030504030204" pitchFamily="34" charset="0"/>
+            </a:endParaRPr>
+          </a:p>
+        </p:txBody>
+      </p:sp>
+      <p:pic>
+        <p:nvPicPr>
+          <p:cNvPr id="8" name="图片 7">
+            <a:extLst>
+              <a:ext uri="{FF2B5EF4-FFF2-40B4-BE49-F238E27FC236}">
+                <a16:creationId xmlns:a16="http://schemas.microsoft.com/office/drawing/2014/main" id="{82D2AF64-F2FA-40C0-9368-378D22EBD03D}"/>
+              </a:ext>
+            </a:extLst>
+          </p:cNvPr>
+          <p:cNvPicPr>
+            <a:picLocks noChangeAspect="1"/>
+          </p:cNvPicPr>
+          <p:nvPr/>
+        </p:nvPicPr>
+        <p:blipFill>
+          <a:blip r:embed="rId3"/>
+          <a:stretch>
+            <a:fillRect/>
+          </a:stretch>
+        </p:blipFill>
+        <p:spPr>
+          <a:xfrm>
+            <a:off x="5942312" y="1942393"/>
+            <a:ext cx="5058481" cy="2257740"/>
+          </a:xfrm>
+          <a:prstGeom prst="rect">
+            <a:avLst/>
+          </a:prstGeom>
+        </p:spPr>
+      </p:pic>
+      <p:sp>
+        <p:nvSpPr>
+          <p:cNvPr id="9" name="文本框 8">
+            <a:extLst>
+              <a:ext uri="{FF2B5EF4-FFF2-40B4-BE49-F238E27FC236}">
+                <a16:creationId xmlns:a16="http://schemas.microsoft.com/office/drawing/2014/main" id="{21529736-40D5-40C0-8E5D-BBE2A14F3D0C}"/>
+              </a:ext>
+            </a:extLst>
+          </p:cNvPr>
+          <p:cNvSpPr txBox="1"/>
+          <p:nvPr/>
+        </p:nvSpPr>
+        <p:spPr>
+          <a:xfrm>
+            <a:off x="6458931" y="4713402"/>
+            <a:ext cx="4025245" cy="830997"/>
+          </a:xfrm>
+          <a:prstGeom prst="rect">
+            <a:avLst/>
+          </a:prstGeom>
+          <a:noFill/>
+        </p:spPr>
+        <p:txBody>
+          <a:bodyPr wrap="square" rtlCol="0">
+            <a:spAutoFit/>
+          </a:bodyPr>
+          <a:lstStyle/>
+          <a:p>
+            <a:r>
+              <a:rPr lang="en-US" altLang="zh-CN" sz="4800" dirty="0">
+                <a:latin typeface="Adobe Gothic Std B" panose="020B0800000000000000" pitchFamily="34" charset="-128"/>
+                <a:ea typeface="Adobe Gothic Std B" panose="020B0800000000000000" pitchFamily="34" charset="-128"/>
+              </a:rPr>
+              <a:t>ACC = 0.7252</a:t>
+            </a:r>
+            <a:endParaRPr lang="zh-CN" altLang="en-US" sz="4800" dirty="0">
+              <a:latin typeface="Adobe Gothic Std B" panose="020B0800000000000000" pitchFamily="34" charset="-128"/>
+            </a:endParaRPr>
+          </a:p>
+        </p:txBody>
+      </p:sp>
+    </p:spTree>
+    <p:extLst>
+      <p:ext uri="{BB962C8B-B14F-4D97-AF65-F5344CB8AC3E}">
+        <p14:creationId xmlns:p14="http://schemas.microsoft.com/office/powerpoint/2010/main" val="227682715"/>
+      </p:ext>
+    </p:extLst>
+  </p:cSld>
+  <p:clrMapOvr>
+    <a:masterClrMapping/>
+  </p:clrMapOvr>
+</p:sld>
+</file>
+
+<file path=ppt/slides/slide11.xml><?xml version="1.0" encoding="utf-8"?>
+<p:sld xmlns:a="http://schemas.openxmlformats.org/drawingml/2006/main" xmlns:r="http://schemas.openxmlformats.org/officeDocument/2006/relationships" xmlns:p="http://schemas.openxmlformats.org/presentationml/2006/main">
+  <p:cSld>
+    <p:spTree>
+      <p:nvGrpSpPr>
+        <p:cNvPr id="1" name=""/>
+        <p:cNvGrpSpPr/>
+        <p:nvPr/>
+      </p:nvGrpSpPr>
+      <p:grpSpPr>
+        <a:xfrm>
+          <a:off x="0" y="0"/>
+          <a:ext cx="0" cy="0"/>
+          <a:chOff x="0" y="0"/>
+          <a:chExt cx="0" cy="0"/>
+        </a:xfrm>
+      </p:grpSpPr>
+      <p:sp>
+        <p:nvSpPr>
+          <p:cNvPr id="4" name="文本框 3">
+            <a:extLst>
+              <a:ext uri="{FF2B5EF4-FFF2-40B4-BE49-F238E27FC236}">
+                <a16:creationId xmlns:a16="http://schemas.microsoft.com/office/drawing/2014/main" id="{BF15739D-3635-495C-830A-1F10EE474399}"/>
+              </a:ext>
+            </a:extLst>
+          </p:cNvPr>
+          <p:cNvSpPr txBox="1"/>
+          <p:nvPr/>
+        </p:nvSpPr>
+        <p:spPr>
+          <a:xfrm>
+            <a:off x="3225538" y="2205872"/>
+            <a:ext cx="5740924" cy="1446550"/>
+          </a:xfrm>
+          <a:prstGeom prst="rect">
+            <a:avLst/>
+          </a:prstGeom>
+          <a:noFill/>
+        </p:spPr>
+        <p:txBody>
+          <a:bodyPr wrap="square" rtlCol="0">
+            <a:spAutoFit/>
+          </a:bodyPr>
+          <a:lstStyle/>
+          <a:p>
+            <a:pPr algn="ctr"/>
+            <a:r>
+              <a:rPr lang="en-US" altLang="zh-CN" sz="8800" dirty="0">
+                <a:latin typeface="Adobe Gothic Std B" panose="020B0800000000000000" pitchFamily="34" charset="-128"/>
+                <a:ea typeface="Adobe Gothic Std B" panose="020B0800000000000000" pitchFamily="34" charset="-128"/>
+              </a:rPr>
+              <a:t>THANKS</a:t>
+            </a:r>
+            <a:endParaRPr lang="zh-CN" altLang="en-US" sz="8800" dirty="0">
+              <a:latin typeface="Adobe Gothic Std B" panose="020B0800000000000000" pitchFamily="34" charset="-128"/>
+            </a:endParaRPr>
+          </a:p>
+        </p:txBody>
+      </p:sp>
+      <p:sp>
+        <p:nvSpPr>
+          <p:cNvPr id="7" name="文本框 6">
+            <a:extLst>
+              <a:ext uri="{FF2B5EF4-FFF2-40B4-BE49-F238E27FC236}">
+                <a16:creationId xmlns:a16="http://schemas.microsoft.com/office/drawing/2014/main" id="{F4FD8F23-499B-4D4D-A966-0B949BC46563}"/>
+              </a:ext>
+            </a:extLst>
+          </p:cNvPr>
+          <p:cNvSpPr txBox="1"/>
+          <p:nvPr/>
+        </p:nvSpPr>
+        <p:spPr>
+          <a:xfrm>
+            <a:off x="8729221" y="4515595"/>
+            <a:ext cx="2950590" cy="584775"/>
+          </a:xfrm>
+          <a:prstGeom prst="rect">
+            <a:avLst/>
+          </a:prstGeom>
+          <a:noFill/>
+        </p:spPr>
+        <p:txBody>
+          <a:bodyPr wrap="square" rtlCol="0">
+            <a:spAutoFit/>
+          </a:bodyPr>
+          <a:lstStyle/>
+          <a:p>
+            <a:r>
+              <a:rPr lang="en-US" altLang="zh-CN" sz="3200" dirty="0"/>
+              <a:t>2020.10.15</a:t>
+            </a:r>
+            <a:endParaRPr lang="zh-CN" altLang="en-US" sz="3200" dirty="0"/>
+          </a:p>
+        </p:txBody>
+      </p:sp>
+    </p:spTree>
+    <p:extLst>
+      <p:ext uri="{BB962C8B-B14F-4D97-AF65-F5344CB8AC3E}">
+        <p14:creationId xmlns:p14="http://schemas.microsoft.com/office/powerpoint/2010/main" val="847116705"/>
+      </p:ext>
+    </p:extLst>
+  </p:cSld>
+  <p:clrMapOvr>
+    <a:masterClrMapping/>
+  </p:clrMapOvr>
+</p:sld>
+</file>
+
 <file path=ppt/slides/slide2.xml><?xml version="1.0" encoding="utf-8"?>
 <p:sld xmlns:a="http://schemas.openxmlformats.org/drawingml/2006/main" xmlns:r="http://schemas.openxmlformats.org/officeDocument/2006/relationships" xmlns:p="http://schemas.openxmlformats.org/presentationml/2006/main">
   <p:cSld>
@@ -6838,6 +7138,242 @@
     <p:extLst>
       <p:ext uri="{BB962C8B-B14F-4D97-AF65-F5344CB8AC3E}">
         <p14:creationId xmlns:p14="http://schemas.microsoft.com/office/powerpoint/2010/main" val="3445826547"/>
+      </p:ext>
+    </p:extLst>
+  </p:cSld>
+  <p:clrMapOvr>
+    <a:masterClrMapping/>
+  </p:clrMapOvr>
+</p:sld>
+</file>
+
+<file path=ppt/slides/slide8.xml><?xml version="1.0" encoding="utf-8"?>
+<p:sld xmlns:a="http://schemas.openxmlformats.org/drawingml/2006/main" xmlns:r="http://schemas.openxmlformats.org/officeDocument/2006/relationships" xmlns:p="http://schemas.openxmlformats.org/presentationml/2006/main">
+  <p:cSld>
+    <p:spTree>
+      <p:nvGrpSpPr>
+        <p:cNvPr id="1" name=""/>
+        <p:cNvGrpSpPr/>
+        <p:nvPr/>
+      </p:nvGrpSpPr>
+      <p:grpSpPr>
+        <a:xfrm>
+          <a:off x="0" y="0"/>
+          <a:ext cx="0" cy="0"/>
+          <a:chOff x="0" y="0"/>
+          <a:chExt cx="0" cy="0"/>
+        </a:xfrm>
+      </p:grpSpPr>
+      <p:sp>
+        <p:nvSpPr>
+          <p:cNvPr id="4" name="标题 1">
+            <a:extLst>
+              <a:ext uri="{FF2B5EF4-FFF2-40B4-BE49-F238E27FC236}">
+                <a16:creationId xmlns:a16="http://schemas.microsoft.com/office/drawing/2014/main" id="{AA7990FC-5CC4-4931-81E5-2836A0D62B3E}"/>
+              </a:ext>
+            </a:extLst>
+          </p:cNvPr>
+          <p:cNvSpPr>
+            <a:spLocks noGrp="1"/>
+          </p:cNvSpPr>
+          <p:nvPr>
+            <p:ph type="title"/>
+          </p:nvPr>
+        </p:nvSpPr>
+        <p:spPr>
+          <a:xfrm>
+            <a:off x="1097280" y="286603"/>
+            <a:ext cx="10058400" cy="1450757"/>
+          </a:xfrm>
+        </p:spPr>
+        <p:txBody>
+          <a:bodyPr>
+            <a:normAutofit/>
+          </a:bodyPr>
+          <a:lstStyle/>
+          <a:p>
+            <a:r>
+              <a:rPr lang="en-US" altLang="zh-CN" sz="5400" dirty="0">
+                <a:latin typeface="Arial Rounded MT Bold" panose="020F0704030504030204" pitchFamily="34" charset="0"/>
+              </a:rPr>
+              <a:t>Alchemy(</a:t>
+            </a:r>
+            <a:r>
+              <a:rPr lang="zh-CN" altLang="en-US" sz="5400" dirty="0">
+                <a:latin typeface="Arial Rounded MT Bold" panose="020F0704030504030204" pitchFamily="34" charset="0"/>
+              </a:rPr>
+              <a:t>炼丹</a:t>
+            </a:r>
+            <a:r>
+              <a:rPr lang="en-US" altLang="zh-CN" sz="5400" dirty="0">
+                <a:latin typeface="Arial Rounded MT Bold" panose="020F0704030504030204" pitchFamily="34" charset="0"/>
+              </a:rPr>
+              <a:t>)</a:t>
+            </a:r>
+            <a:endParaRPr lang="zh-CN" altLang="en-US" sz="5400" dirty="0">
+              <a:latin typeface="Arial Rounded MT Bold" panose="020F0704030504030204" pitchFamily="34" charset="0"/>
+            </a:endParaRPr>
+          </a:p>
+        </p:txBody>
+      </p:sp>
+      <p:pic>
+        <p:nvPicPr>
+          <p:cNvPr id="3" name="图片 2">
+            <a:extLst>
+              <a:ext uri="{FF2B5EF4-FFF2-40B4-BE49-F238E27FC236}">
+                <a16:creationId xmlns:a16="http://schemas.microsoft.com/office/drawing/2014/main" id="{707EAC00-F021-4FA3-AAFA-0F10E10F25EE}"/>
+              </a:ext>
+            </a:extLst>
+          </p:cNvPr>
+          <p:cNvPicPr>
+            <a:picLocks noChangeAspect="1"/>
+          </p:cNvPicPr>
+          <p:nvPr/>
+        </p:nvPicPr>
+        <p:blipFill>
+          <a:blip r:embed="rId2">
+            <a:extLst>
+              <a:ext uri="{28A0092B-C50C-407E-A947-70E740481C1C}">
+                <a14:useLocalDpi xmlns:a14="http://schemas.microsoft.com/office/drawing/2010/main" val="0"/>
+              </a:ext>
+            </a:extLst>
+          </a:blip>
+          <a:stretch>
+            <a:fillRect/>
+          </a:stretch>
+        </p:blipFill>
+        <p:spPr>
+          <a:xfrm>
+            <a:off x="1816231" y="1737360"/>
+            <a:ext cx="8559538" cy="4588026"/>
+          </a:xfrm>
+          <a:prstGeom prst="rect">
+            <a:avLst/>
+          </a:prstGeom>
+        </p:spPr>
+      </p:pic>
+    </p:spTree>
+    <p:extLst>
+      <p:ext uri="{BB962C8B-B14F-4D97-AF65-F5344CB8AC3E}">
+        <p14:creationId xmlns:p14="http://schemas.microsoft.com/office/powerpoint/2010/main" val="443806676"/>
+      </p:ext>
+    </p:extLst>
+  </p:cSld>
+  <p:clrMapOvr>
+    <a:masterClrMapping/>
+  </p:clrMapOvr>
+</p:sld>
+</file>
+
+<file path=ppt/slides/slide9.xml><?xml version="1.0" encoding="utf-8"?>
+<p:sld xmlns:a="http://schemas.openxmlformats.org/drawingml/2006/main" xmlns:r="http://schemas.openxmlformats.org/officeDocument/2006/relationships" xmlns:p="http://schemas.openxmlformats.org/presentationml/2006/main">
+  <p:cSld>
+    <p:spTree>
+      <p:nvGrpSpPr>
+        <p:cNvPr id="1" name=""/>
+        <p:cNvGrpSpPr/>
+        <p:nvPr/>
+      </p:nvGrpSpPr>
+      <p:grpSpPr>
+        <a:xfrm>
+          <a:off x="0" y="0"/>
+          <a:ext cx="0" cy="0"/>
+          <a:chOff x="0" y="0"/>
+          <a:chExt cx="0" cy="0"/>
+        </a:xfrm>
+      </p:grpSpPr>
+      <p:sp>
+        <p:nvSpPr>
+          <p:cNvPr id="4" name="标题 1">
+            <a:extLst>
+              <a:ext uri="{FF2B5EF4-FFF2-40B4-BE49-F238E27FC236}">
+                <a16:creationId xmlns:a16="http://schemas.microsoft.com/office/drawing/2014/main" id="{AA7990FC-5CC4-4931-81E5-2836A0D62B3E}"/>
+              </a:ext>
+            </a:extLst>
+          </p:cNvPr>
+          <p:cNvSpPr>
+            <a:spLocks noGrp="1"/>
+          </p:cNvSpPr>
+          <p:nvPr>
+            <p:ph type="title"/>
+          </p:nvPr>
+        </p:nvSpPr>
+        <p:spPr>
+          <a:xfrm>
+            <a:off x="1097280" y="286603"/>
+            <a:ext cx="10058400" cy="1450757"/>
+          </a:xfrm>
+        </p:spPr>
+        <p:txBody>
+          <a:bodyPr>
+            <a:normAutofit/>
+          </a:bodyPr>
+          <a:lstStyle/>
+          <a:p>
+            <a:r>
+              <a:rPr lang="en-US" altLang="zh-CN" sz="5400" dirty="0">
+                <a:latin typeface="Arial Rounded MT Bold" panose="020F0704030504030204" pitchFamily="34" charset="0"/>
+              </a:rPr>
+              <a:t>Alchemy(</a:t>
+            </a:r>
+            <a:r>
+              <a:rPr lang="zh-CN" altLang="en-US" sz="5400" dirty="0">
+                <a:latin typeface="Arial Rounded MT Bold" panose="020F0704030504030204" pitchFamily="34" charset="0"/>
+              </a:rPr>
+              <a:t>炼丹</a:t>
+            </a:r>
+            <a:r>
+              <a:rPr lang="en-US" altLang="zh-CN" sz="5400" dirty="0">
+                <a:latin typeface="Arial Rounded MT Bold" panose="020F0704030504030204" pitchFamily="34" charset="0"/>
+              </a:rPr>
+              <a:t>)</a:t>
+            </a:r>
+            <a:endParaRPr lang="zh-CN" altLang="en-US" sz="5400" dirty="0">
+              <a:latin typeface="Arial Rounded MT Bold" panose="020F0704030504030204" pitchFamily="34" charset="0"/>
+            </a:endParaRPr>
+          </a:p>
+        </p:txBody>
+      </p:sp>
+      <p:pic>
+        <p:nvPicPr>
+          <p:cNvPr id="5" name="图片 4">
+            <a:extLst>
+              <a:ext uri="{FF2B5EF4-FFF2-40B4-BE49-F238E27FC236}">
+                <a16:creationId xmlns:a16="http://schemas.microsoft.com/office/drawing/2014/main" id="{01DCF290-C6D4-49F8-B95D-7A02DF9DE4FD}"/>
+              </a:ext>
+            </a:extLst>
+          </p:cNvPr>
+          <p:cNvPicPr>
+            <a:picLocks noChangeAspect="1"/>
+          </p:cNvPicPr>
+          <p:nvPr/>
+        </p:nvPicPr>
+        <p:blipFill>
+          <a:blip r:embed="rId2">
+            <a:extLst>
+              <a:ext uri="{28A0092B-C50C-407E-A947-70E740481C1C}">
+                <a14:useLocalDpi xmlns:a14="http://schemas.microsoft.com/office/drawing/2010/main" val="0"/>
+              </a:ext>
+            </a:extLst>
+          </a:blip>
+          <a:stretch>
+            <a:fillRect/>
+          </a:stretch>
+        </p:blipFill>
+        <p:spPr>
+          <a:xfrm>
+            <a:off x="1814660" y="1737360"/>
+            <a:ext cx="8562680" cy="4597980"/>
+          </a:xfrm>
+          <a:prstGeom prst="rect">
+            <a:avLst/>
+          </a:prstGeom>
+        </p:spPr>
+      </p:pic>
+    </p:spTree>
+    <p:extLst>
+      <p:ext uri="{BB962C8B-B14F-4D97-AF65-F5344CB8AC3E}">
+        <p14:creationId xmlns:p14="http://schemas.microsoft.com/office/powerpoint/2010/main" val="829084585"/>
       </p:ext>
     </p:extLst>
   </p:cSld>
